--- a/Lec/Lection 16.pptx
+++ b/Lec/Lection 16.pptx
@@ -6,13 +6,12 @@
   </p:sldMasterIdLst>
   <p:sldIdLst>
     <p:sldId id="256" r:id="rId2"/>
-    <p:sldId id="263" r:id="rId3"/>
-    <p:sldId id="257" r:id="rId4"/>
-    <p:sldId id="258" r:id="rId5"/>
-    <p:sldId id="259" r:id="rId6"/>
-    <p:sldId id="260" r:id="rId7"/>
-    <p:sldId id="261" r:id="rId8"/>
-    <p:sldId id="262" r:id="rId9"/>
+    <p:sldId id="257" r:id="rId3"/>
+    <p:sldId id="258" r:id="rId4"/>
+    <p:sldId id="259" r:id="rId5"/>
+    <p:sldId id="260" r:id="rId6"/>
+    <p:sldId id="261" r:id="rId7"/>
+    <p:sldId id="262" r:id="rId8"/>
   </p:sldIdLst>
   <p:sldSz cx="12192000" cy="6858000"/>
   <p:notesSz cx="6858000" cy="9144000"/>
@@ -248,7 +247,7 @@
           <a:p>
             <a:fld id="{1A858AD8-1407-4CBB-895D-107EE1132AFD}" type="datetimeFigureOut">
               <a:rPr lang="en-US" smtClean="0"/>
-              <a:t>10/5/2020</a:t>
+              <a:t>9/2/2020</a:t>
             </a:fld>
             <a:endParaRPr lang="en-US"/>
           </a:p>
@@ -416,7 +415,7 @@
           <a:p>
             <a:fld id="{1A858AD8-1407-4CBB-895D-107EE1132AFD}" type="datetimeFigureOut">
               <a:rPr lang="en-US" smtClean="0"/>
-              <a:t>10/5/2020</a:t>
+              <a:t>9/2/2020</a:t>
             </a:fld>
             <a:endParaRPr lang="en-US"/>
           </a:p>
@@ -594,7 +593,7 @@
           <a:p>
             <a:fld id="{1A858AD8-1407-4CBB-895D-107EE1132AFD}" type="datetimeFigureOut">
               <a:rPr lang="en-US" smtClean="0"/>
-              <a:t>10/5/2020</a:t>
+              <a:t>9/2/2020</a:t>
             </a:fld>
             <a:endParaRPr lang="en-US"/>
           </a:p>
@@ -762,7 +761,7 @@
           <a:p>
             <a:fld id="{1A858AD8-1407-4CBB-895D-107EE1132AFD}" type="datetimeFigureOut">
               <a:rPr lang="en-US" smtClean="0"/>
-              <a:t>10/5/2020</a:t>
+              <a:t>9/2/2020</a:t>
             </a:fld>
             <a:endParaRPr lang="en-US"/>
           </a:p>
@@ -1007,7 +1006,7 @@
           <a:p>
             <a:fld id="{1A858AD8-1407-4CBB-895D-107EE1132AFD}" type="datetimeFigureOut">
               <a:rPr lang="en-US" smtClean="0"/>
-              <a:t>10/5/2020</a:t>
+              <a:t>9/2/2020</a:t>
             </a:fld>
             <a:endParaRPr lang="en-US"/>
           </a:p>
@@ -1236,7 +1235,7 @@
           <a:p>
             <a:fld id="{1A858AD8-1407-4CBB-895D-107EE1132AFD}" type="datetimeFigureOut">
               <a:rPr lang="en-US" smtClean="0"/>
-              <a:t>10/5/2020</a:t>
+              <a:t>9/2/2020</a:t>
             </a:fld>
             <a:endParaRPr lang="en-US"/>
           </a:p>
@@ -1600,7 +1599,7 @@
           <a:p>
             <a:fld id="{1A858AD8-1407-4CBB-895D-107EE1132AFD}" type="datetimeFigureOut">
               <a:rPr lang="en-US" smtClean="0"/>
-              <a:t>10/5/2020</a:t>
+              <a:t>9/2/2020</a:t>
             </a:fld>
             <a:endParaRPr lang="en-US"/>
           </a:p>
@@ -1717,7 +1716,7 @@
           <a:p>
             <a:fld id="{1A858AD8-1407-4CBB-895D-107EE1132AFD}" type="datetimeFigureOut">
               <a:rPr lang="en-US" smtClean="0"/>
-              <a:t>10/5/2020</a:t>
+              <a:t>9/2/2020</a:t>
             </a:fld>
             <a:endParaRPr lang="en-US"/>
           </a:p>
@@ -1812,7 +1811,7 @@
           <a:p>
             <a:fld id="{1A858AD8-1407-4CBB-895D-107EE1132AFD}" type="datetimeFigureOut">
               <a:rPr lang="en-US" smtClean="0"/>
-              <a:t>10/5/2020</a:t>
+              <a:t>9/2/2020</a:t>
             </a:fld>
             <a:endParaRPr lang="en-US"/>
           </a:p>
@@ -2087,7 +2086,7 @@
           <a:p>
             <a:fld id="{1A858AD8-1407-4CBB-895D-107EE1132AFD}" type="datetimeFigureOut">
               <a:rPr lang="en-US" smtClean="0"/>
-              <a:t>10/5/2020</a:t>
+              <a:t>9/2/2020</a:t>
             </a:fld>
             <a:endParaRPr lang="en-US"/>
           </a:p>
@@ -2339,7 +2338,7 @@
           <a:p>
             <a:fld id="{1A858AD8-1407-4CBB-895D-107EE1132AFD}" type="datetimeFigureOut">
               <a:rPr lang="en-US" smtClean="0"/>
-              <a:t>10/5/2020</a:t>
+              <a:t>9/2/2020</a:t>
             </a:fld>
             <a:endParaRPr lang="en-US"/>
           </a:p>
@@ -2550,7 +2549,7 @@
           <a:p>
             <a:fld id="{1A858AD8-1407-4CBB-895D-107EE1132AFD}" type="datetimeFigureOut">
               <a:rPr lang="en-US" smtClean="0"/>
-              <a:t>10/5/2020</a:t>
+              <a:t>9/2/2020</a:t>
             </a:fld>
             <a:endParaRPr lang="en-US"/>
           </a:p>
@@ -3036,7 +3035,13 @@
       </p:grpSpPr>
       <p:sp>
         <p:nvSpPr>
-          <p:cNvPr id="2" name="Title 1"/>
+          <p:cNvPr id="2" name="Заголовок 1">
+            <a:extLst>
+              <a:ext uri="{FF2B5EF4-FFF2-40B4-BE49-F238E27FC236}">
+                <a16:creationId xmlns="" xmlns:a16="http://schemas.microsoft.com/office/drawing/2014/main" id="{2F0E7229-3178-4658-9354-C28152C4DBCE}"/>
+              </a:ext>
+            </a:extLst>
+          </p:cNvPr>
           <p:cNvSpPr>
             <a:spLocks noGrp="1"/>
           </p:cNvSpPr>
@@ -3050,12 +3055,8 @@
           <a:lstStyle/>
           <a:p>
             <a:r>
-              <a:rPr lang="uk-UA" dirty="0" smtClean="0"/>
-              <a:t>Бібліотека </a:t>
-            </a:r>
-            <a:r>
-              <a:rPr lang="uk-UA" dirty="0" err="1" smtClean="0"/>
-              <a:t>Keras</a:t>
+              <a:rPr lang="uk-UA" noProof="0" dirty="0" smtClean="0"/>
+              <a:t>НМ в задачах апроксимації</a:t>
             </a:r>
             <a:endParaRPr lang="uk-UA" noProof="0" dirty="0"/>
           </a:p>
@@ -3063,7 +3064,13 @@
       </p:sp>
       <p:sp>
         <p:nvSpPr>
-          <p:cNvPr id="3" name="Content Placeholder 2"/>
+          <p:cNvPr id="3" name="Объект 2">
+            <a:extLst>
+              <a:ext uri="{FF2B5EF4-FFF2-40B4-BE49-F238E27FC236}">
+                <a16:creationId xmlns="" xmlns:a16="http://schemas.microsoft.com/office/drawing/2014/main" id="{5CD1B145-D511-416D-9D23-FBE338E5A164}"/>
+              </a:ext>
+            </a:extLst>
+          </p:cNvPr>
           <p:cNvSpPr>
             <a:spLocks noGrp="1"/>
           </p:cNvSpPr>
@@ -3079,78 +3086,107 @@
           <a:lstStyle/>
           <a:p>
             <a:r>
+              <a:rPr lang="uk-UA" sz="2400" noProof="0" dirty="0" smtClean="0"/>
+              <a:t>У задачах прогнозування та апроксимації важлива точність, тому використовуються архітектури НМ, що розширюються, тобто такі, в яких кількість нейронів на першому шарі більше, ніж на вхідному.</a:t>
+            </a:r>
+          </a:p>
+          <a:p>
+            <a:r>
+              <a:rPr lang="uk-UA" sz="2400" noProof="0" dirty="0" smtClean="0"/>
+              <a:t>Для оцінки якості НМ в задачах апроксимації та прогнозування використовуються такі функції втрат:</a:t>
+            </a:r>
+          </a:p>
+          <a:p>
+            <a:pPr marL="0" indent="0">
+              <a:buNone/>
+            </a:pPr>
+            <a:r>
+              <a:rPr lang="uk-UA" sz="2400" noProof="0" dirty="0" smtClean="0"/>
+              <a:t>a.	</a:t>
+            </a:r>
+            <a:r>
               <a:rPr lang="uk-UA" sz="2400" noProof="0" dirty="0" err="1" smtClean="0"/>
-              <a:t>Keras</a:t>
+              <a:t>mse</a:t>
             </a:r>
             <a:r>
               <a:rPr lang="uk-UA" sz="2400" noProof="0" dirty="0" smtClean="0"/>
-              <a:t> надає </a:t>
+              <a:t> – середня квадратична помилка;</a:t>
+            </a:r>
+          </a:p>
+          <a:p>
+            <a:pPr marL="0" indent="0">
+              <a:buNone/>
+            </a:pPr>
+            <a:r>
+              <a:rPr lang="uk-UA" sz="2400" noProof="0" dirty="0" smtClean="0"/>
+              <a:t>b.	</a:t>
             </a:r>
             <a:r>
               <a:rPr lang="uk-UA" sz="2400" noProof="0" dirty="0" err="1" smtClean="0"/>
-              <a:t>високорівневий</a:t>
+              <a:t>rmse</a:t>
             </a:r>
             <a:r>
               <a:rPr lang="uk-UA" sz="2400" noProof="0" dirty="0" smtClean="0"/>
-              <a:t>, інтуїтивний набір абстракцій, що спрощує формування нейронних мереж незалежно від обчислювального </a:t>
+              <a:t> – корінь з середньоквадратичної помилки;</a:t>
+            </a:r>
+          </a:p>
+          <a:p>
+            <a:pPr marL="0" indent="0">
+              <a:buNone/>
+            </a:pPr>
+            <a:r>
+              <a:rPr lang="uk-UA" sz="2400" noProof="0" dirty="0" smtClean="0"/>
+              <a:t>c.	</a:t>
             </a:r>
             <a:r>
               <a:rPr lang="uk-UA" sz="2400" noProof="0" dirty="0" err="1" smtClean="0"/>
-              <a:t>бекенду</a:t>
+              <a:t>mae</a:t>
             </a:r>
             <a:r>
               <a:rPr lang="uk-UA" sz="2400" noProof="0" dirty="0" smtClean="0"/>
-              <a:t>. </a:t>
-            </a:r>
-          </a:p>
-          <a:p>
-            <a:r>
-              <a:rPr lang="uk-UA" sz="2400" dirty="0" err="1"/>
-              <a:t>Keras</a:t>
-            </a:r>
-            <a:r>
-              <a:rPr lang="uk-UA" sz="2400" dirty="0"/>
-              <a:t> містить </a:t>
-            </a:r>
+              <a:t> – середня абсолютна помилка;</a:t>
+            </a:r>
+          </a:p>
+          <a:p>
+            <a:pPr marL="0" indent="0">
+              <a:buNone/>
+            </a:pPr>
             <a:r>
               <a:rPr lang="uk-UA" sz="2400" noProof="0" dirty="0" smtClean="0"/>
-              <a:t>численні реалізації блоків нейронних мереж, таких як шари, цільові та передавальні функції, оптимізатори, та купу інструментів для спрощення роботи з зображеннями та текстом. </a:t>
-            </a:r>
-          </a:p>
-          <a:p>
-            <a:r>
-              <a:rPr lang="uk-UA" sz="2400" dirty="0"/>
-              <a:t>Для обчислень з тензорами – «будівельний блок» нейронних мереж – </a:t>
-            </a:r>
-            <a:r>
-              <a:rPr lang="uk-UA" sz="2400" dirty="0" err="1"/>
-              <a:t>Keras</a:t>
-            </a:r>
-            <a:r>
-              <a:rPr lang="uk-UA" sz="2400" dirty="0"/>
-              <a:t> використовує бібліотеки </a:t>
-            </a:r>
-            <a:r>
-              <a:rPr lang="uk-UA" sz="2400" dirty="0" err="1"/>
-              <a:t>Theano</a:t>
-            </a:r>
-            <a:r>
-              <a:rPr lang="uk-UA" sz="2400" dirty="0"/>
-              <a:t> або </a:t>
-            </a:r>
-            <a:r>
-              <a:rPr lang="uk-UA" sz="2400" dirty="0" err="1"/>
-              <a:t>TensorFlow</a:t>
-            </a:r>
-            <a:r>
-              <a:rPr lang="uk-UA" sz="2400" dirty="0"/>
-              <a:t>, що створені для роботи з багатовимірними масивами (тензорами). </a:t>
-            </a:r>
-          </a:p>
-          <a:p>
-            <a:r>
-              <a:rPr lang="uk-UA" sz="2400" dirty="0"/>
-              <a:t>На їх основі можливо створювати моделі як з послідовною, так і з функціональною архітектурою.</a:t>
+              <a:t>d.	</a:t>
+            </a:r>
+            <a:r>
+              <a:rPr lang="uk-UA" sz="2400" noProof="0" dirty="0" err="1" smtClean="0"/>
+              <a:t>mape</a:t>
+            </a:r>
+            <a:r>
+              <a:rPr lang="uk-UA" sz="2400" noProof="0" dirty="0" smtClean="0"/>
+              <a:t> – середня помилка у відсотках;</a:t>
+            </a:r>
+          </a:p>
+          <a:p>
+            <a:pPr marL="0" indent="0">
+              <a:buNone/>
+            </a:pPr>
+            <a:r>
+              <a:rPr lang="uk-UA" sz="2400" noProof="0" dirty="0" smtClean="0"/>
+              <a:t>e.	</a:t>
+            </a:r>
+            <a:r>
+              <a:rPr lang="uk-UA" sz="2400" noProof="0" dirty="0" err="1" smtClean="0"/>
+              <a:t>msle</a:t>
+            </a:r>
+            <a:r>
+              <a:rPr lang="uk-UA" sz="2400" noProof="0" dirty="0" smtClean="0"/>
+              <a:t> – середня </a:t>
+            </a:r>
+            <a:r>
+              <a:rPr lang="uk-UA" sz="2400" noProof="0" dirty="0" err="1" smtClean="0"/>
+              <a:t>квадратично</a:t>
+            </a:r>
+            <a:r>
+              <a:rPr lang="uk-UA" sz="2400" noProof="0" dirty="0" smtClean="0"/>
+              <a:t>-логарифмічна помилка.</a:t>
             </a:r>
           </a:p>
           <a:p>
@@ -3161,7 +3197,7 @@
     </p:spTree>
     <p:extLst>
       <p:ext uri="{BB962C8B-B14F-4D97-AF65-F5344CB8AC3E}">
-        <p14:creationId xmlns:p14="http://schemas.microsoft.com/office/powerpoint/2010/main" val="2621548112"/>
+        <p14:creationId xmlns:p14="http://schemas.microsoft.com/office/powerpoint/2010/main" val="2111324816"/>
       </p:ext>
     </p:extLst>
   </p:cSld>
@@ -3193,7 +3229,7 @@
           <p:cNvPr id="2" name="Заголовок 1">
             <a:extLst>
               <a:ext uri="{FF2B5EF4-FFF2-40B4-BE49-F238E27FC236}">
-                <a16:creationId xmlns:a16="http://schemas.microsoft.com/office/drawing/2014/main" xmlns="" id="{2F0E7229-3178-4658-9354-C28152C4DBCE}"/>
+                <a16:creationId xmlns="" xmlns:a16="http://schemas.microsoft.com/office/drawing/2014/main" id="{AE384815-A7D4-4FA6-9855-D2BB14550BAC}"/>
               </a:ext>
             </a:extLst>
           </p:cNvPr>
@@ -3211,7 +3247,7 @@
           <a:p>
             <a:r>
               <a:rPr lang="uk-UA" noProof="0" dirty="0" smtClean="0"/>
-              <a:t>НМ в задачах апроксимації</a:t>
+              <a:t>НМ в задачах прогнозування</a:t>
             </a:r>
             <a:endParaRPr lang="uk-UA" noProof="0" dirty="0"/>
           </a:p>
@@ -3222,7 +3258,7 @@
           <p:cNvPr id="3" name="Объект 2">
             <a:extLst>
               <a:ext uri="{FF2B5EF4-FFF2-40B4-BE49-F238E27FC236}">
-                <a16:creationId xmlns:a16="http://schemas.microsoft.com/office/drawing/2014/main" xmlns="" id="{5CD1B145-D511-416D-9D23-FBE338E5A164}"/>
+                <a16:creationId xmlns="" xmlns:a16="http://schemas.microsoft.com/office/drawing/2014/main" id="{7CADB7F6-344A-45BF-9449-B2E0A6046261}"/>
               </a:ext>
             </a:extLst>
           </p:cNvPr>
@@ -3242,106 +3278,33 @@
           <a:p>
             <a:r>
               <a:rPr lang="uk-UA" sz="2400" noProof="0" dirty="0" smtClean="0"/>
-              <a:t>У задачах прогнозування та апроксимації важлива точність, тому використовуються архітектури НМ, що розширюються, тобто такі, в яких кількість нейронів на першому шарі більше, ніж на вхідному.</a:t>
-            </a:r>
-          </a:p>
-          <a:p>
+              <a:t>Застосування </a:t>
+            </a:r>
+            <a:r>
+              <a:rPr lang="uk-UA" sz="2400" noProof="0" dirty="0" err="1" smtClean="0"/>
+              <a:t>повнозв’язних</a:t>
+            </a:r>
             <a:r>
               <a:rPr lang="uk-UA" sz="2400" noProof="0" dirty="0" smtClean="0"/>
-              <a:t>Для оцінки якості НМ в задачах апроксимації та прогнозування використовуються такі функції втрат:</a:t>
-            </a:r>
-          </a:p>
-          <a:p>
-            <a:pPr marL="0" indent="0">
-              <a:buNone/>
-            </a:pPr>
+              <a:t> НМ в задачах прогнозування часових рядів має деякі особливості:</a:t>
+            </a:r>
+          </a:p>
+          <a:p>
             <a:r>
               <a:rPr lang="uk-UA" sz="2400" noProof="0" dirty="0" smtClean="0"/>
-              <a:t>a.	</a:t>
-            </a:r>
-            <a:r>
-              <a:rPr lang="uk-UA" sz="2400" noProof="0" dirty="0" err="1" smtClean="0"/>
-              <a:t>mse</a:t>
-            </a:r>
+              <a:t>1)	для видалення тренду зазвичай на вхід моделі подається не початковий ряд, а перші різниці;</a:t>
+            </a:r>
+          </a:p>
+          <a:p>
             <a:r>
               <a:rPr lang="uk-UA" sz="2400" noProof="0" dirty="0" smtClean="0"/>
-              <a:t> – середня квадратична помилка;</a:t>
-            </a:r>
-          </a:p>
-          <a:p>
-            <a:pPr marL="0" indent="0">
-              <a:buNone/>
-            </a:pPr>
+              <a:t>2)	оскільки як пояснюючі змінні виступають попередні значення ряду, важливо визначитися, скільки лагів є суттєвими для конкретної задачі;</a:t>
+            </a:r>
+          </a:p>
+          <a:p>
             <a:r>
               <a:rPr lang="uk-UA" sz="2400" noProof="0" dirty="0" smtClean="0"/>
-              <a:t>b.	</a:t>
-            </a:r>
-            <a:r>
-              <a:rPr lang="uk-UA" sz="2400" noProof="0" dirty="0" err="1" smtClean="0"/>
-              <a:t>rmse</a:t>
-            </a:r>
-            <a:r>
-              <a:rPr lang="uk-UA" sz="2400" noProof="0" dirty="0" smtClean="0"/>
-              <a:t> – корінь з середньоквадратичної помилки;</a:t>
-            </a:r>
-          </a:p>
-          <a:p>
-            <a:pPr marL="0" indent="0">
-              <a:buNone/>
-            </a:pPr>
-            <a:r>
-              <a:rPr lang="uk-UA" sz="2400" noProof="0" dirty="0" smtClean="0"/>
-              <a:t>c.	</a:t>
-            </a:r>
-            <a:r>
-              <a:rPr lang="uk-UA" sz="2400" noProof="0" dirty="0" err="1" smtClean="0"/>
-              <a:t>mae</a:t>
-            </a:r>
-            <a:r>
-              <a:rPr lang="uk-UA" sz="2400" noProof="0" dirty="0" smtClean="0"/>
-              <a:t> – середня абсолютна помилка;</a:t>
-            </a:r>
-          </a:p>
-          <a:p>
-            <a:pPr marL="0" indent="0">
-              <a:buNone/>
-            </a:pPr>
-            <a:r>
-              <a:rPr lang="uk-UA" sz="2400" noProof="0" dirty="0" smtClean="0"/>
-              <a:t>d.	</a:t>
-            </a:r>
-            <a:r>
-              <a:rPr lang="uk-UA" sz="2400" noProof="0" dirty="0" err="1" smtClean="0"/>
-              <a:t>mape</a:t>
-            </a:r>
-            <a:r>
-              <a:rPr lang="uk-UA" sz="2400" noProof="0" dirty="0" smtClean="0"/>
-              <a:t> – середня помилка у відсотках;</a:t>
-            </a:r>
-          </a:p>
-          <a:p>
-            <a:pPr marL="0" indent="0">
-              <a:buNone/>
-            </a:pPr>
-            <a:r>
-              <a:rPr lang="uk-UA" sz="2400" noProof="0" dirty="0" smtClean="0"/>
-              <a:t>e.	</a:t>
-            </a:r>
-            <a:r>
-              <a:rPr lang="uk-UA" sz="2400" noProof="0" dirty="0" err="1" smtClean="0"/>
-              <a:t>msle</a:t>
-            </a:r>
-            <a:r>
-              <a:rPr lang="uk-UA" sz="2400" noProof="0" dirty="0" smtClean="0"/>
-              <a:t> – середня </a:t>
-            </a:r>
-            <a:r>
-              <a:rPr lang="uk-UA" sz="2400" noProof="0" dirty="0" err="1" smtClean="0"/>
-              <a:t>квадратично</a:t>
-            </a:r>
-            <a:r>
-              <a:rPr lang="uk-UA" sz="2400" noProof="0" dirty="0" smtClean="0"/>
-              <a:t>-логарифмічна помилка.</a:t>
+              <a:t>3)	оскільки кількість лагів обмежена, довгострокові тенденції в такій моделі не враховуються.</a:t>
             </a:r>
           </a:p>
           <a:p>
@@ -3352,7 +3315,7 @@
     </p:spTree>
     <p:extLst>
       <p:ext uri="{BB962C8B-B14F-4D97-AF65-F5344CB8AC3E}">
-        <p14:creationId xmlns:p14="http://schemas.microsoft.com/office/powerpoint/2010/main" val="2111324816"/>
+        <p14:creationId xmlns:p14="http://schemas.microsoft.com/office/powerpoint/2010/main" val="236514695"/>
       </p:ext>
     </p:extLst>
   </p:cSld>
@@ -3384,7 +3347,7 @@
           <p:cNvPr id="2" name="Заголовок 1">
             <a:extLst>
               <a:ext uri="{FF2B5EF4-FFF2-40B4-BE49-F238E27FC236}">
-                <a16:creationId xmlns:a16="http://schemas.microsoft.com/office/drawing/2014/main" xmlns="" id="{AE384815-A7D4-4FA6-9855-D2BB14550BAC}"/>
+                <a16:creationId xmlns="" xmlns:a16="http://schemas.microsoft.com/office/drawing/2014/main" id="{69C1B6B6-3E9E-48E4-B421-2D59560024B1}"/>
               </a:ext>
             </a:extLst>
           </p:cNvPr>
@@ -3402,7 +3365,7 @@
           <a:p>
             <a:r>
               <a:rPr lang="uk-UA" noProof="0" dirty="0" smtClean="0"/>
-              <a:t>НМ в задачах прогнозування</a:t>
+              <a:t>НМ в задачах класифікації</a:t>
             </a:r>
             <a:endParaRPr lang="uk-UA" noProof="0" dirty="0"/>
           </a:p>
@@ -3413,7 +3376,7 @@
           <p:cNvPr id="3" name="Объект 2">
             <a:extLst>
               <a:ext uri="{FF2B5EF4-FFF2-40B4-BE49-F238E27FC236}">
-                <a16:creationId xmlns:a16="http://schemas.microsoft.com/office/drawing/2014/main" xmlns="" id="{7CADB7F6-344A-45BF-9449-B2E0A6046261}"/>
+                <a16:creationId xmlns="" xmlns:a16="http://schemas.microsoft.com/office/drawing/2014/main" id="{04D153CF-F2EC-4EBB-95EA-FDFF5331D4CE}"/>
               </a:ext>
             </a:extLst>
           </p:cNvPr>
@@ -3433,33 +3396,71 @@
           <a:p>
             <a:r>
               <a:rPr lang="uk-UA" sz="2400" noProof="0" dirty="0" smtClean="0"/>
-              <a:t>Застосування </a:t>
+              <a:t>У задачах класифікації важлива узагальнююча здатність мережі, тому використовуються архітектури, що звужуються, тобто такі, в яких кількість нейронів на першому шарі менше, ніж у вхідному.</a:t>
+            </a:r>
+          </a:p>
+          <a:p>
+            <a:r>
+              <a:rPr lang="uk-UA" sz="2400" noProof="0" dirty="0" smtClean="0"/>
+              <a:t>Для оцінки якості НМ в задачах класифікації використовуються такі функції витрат:</a:t>
+            </a:r>
+          </a:p>
+          <a:p>
+            <a:pPr marL="0" indent="0">
+              <a:buNone/>
+            </a:pPr>
+            <a:r>
+              <a:rPr lang="uk-UA" sz="2400" noProof="0" dirty="0" smtClean="0"/>
+              <a:t>a)	</a:t>
             </a:r>
             <a:r>
               <a:rPr lang="uk-UA" sz="2400" noProof="0" dirty="0" err="1" smtClean="0"/>
-              <a:t>повнозв’язних</a:t>
+              <a:t>binary</a:t>
             </a:r>
             <a:r>
               <a:rPr lang="uk-UA" sz="2400" noProof="0" dirty="0" smtClean="0"/>
-              <a:t> НМ в задачах прогнозування часових рядів має деякі особливості:</a:t>
-            </a:r>
-          </a:p>
-          <a:p>
+              <a:t> </a:t>
+            </a:r>
+            <a:r>
+              <a:rPr lang="uk-UA" sz="2400" noProof="0" dirty="0" err="1" smtClean="0"/>
+              <a:t>accuracy</a:t>
+            </a:r>
             <a:r>
               <a:rPr lang="uk-UA" sz="2400" noProof="0" dirty="0" smtClean="0"/>
-              <a:t>1)	для видалення тренду зазвичай на вхід моделі подається не початковий ряд, а перші різниці;</a:t>
-            </a:r>
-          </a:p>
-          <a:p>
+              <a:t> – середня точність за всіма прогнозами в задачах бінарної класифікації;</a:t>
+            </a:r>
+          </a:p>
+          <a:p>
+            <a:pPr marL="0" indent="0">
+              <a:buNone/>
+            </a:pPr>
             <a:r>
               <a:rPr lang="uk-UA" sz="2400" noProof="0" dirty="0" smtClean="0"/>
-              <a:t>2)	оскільки як пояснюючі змінні виступають попередні значення ряду, важливо визначитися, скільки лагів є суттєвими для конкретної задачі;</a:t>
-            </a:r>
-          </a:p>
-          <a:p>
+              <a:t>b)	</a:t>
+            </a:r>
+            <a:r>
+              <a:rPr lang="uk-UA" sz="2400" noProof="0" dirty="0" err="1" smtClean="0"/>
+              <a:t>categorical</a:t>
+            </a:r>
             <a:r>
               <a:rPr lang="uk-UA" sz="2400" noProof="0" dirty="0" smtClean="0"/>
-              <a:t>3)	оскільки кількість лагів обмежена, довгострокові тенденції в такій моделі не враховуються.</a:t>
+              <a:t> </a:t>
+            </a:r>
+            <a:r>
+              <a:rPr lang="uk-UA" sz="2400" noProof="0" dirty="0" err="1" smtClean="0"/>
+              <a:t>accuracy</a:t>
+            </a:r>
+            <a:r>
+              <a:rPr lang="uk-UA" sz="2400" noProof="0" dirty="0" smtClean="0"/>
+              <a:t> – середня точність за всіма прогнозами в задачах </a:t>
+            </a:r>
+            <a:r>
+              <a:rPr lang="uk-UA" sz="2400" noProof="0" dirty="0" err="1" smtClean="0"/>
+              <a:t>багатокласової</a:t>
+            </a:r>
+            <a:r>
+              <a:rPr lang="uk-UA" sz="2400" noProof="0" dirty="0" smtClean="0"/>
+              <a:t> класифікації.</a:t>
             </a:r>
           </a:p>
           <a:p>
@@ -3470,7 +3471,7 @@
     </p:spTree>
     <p:extLst>
       <p:ext uri="{BB962C8B-B14F-4D97-AF65-F5344CB8AC3E}">
-        <p14:creationId xmlns:p14="http://schemas.microsoft.com/office/powerpoint/2010/main" val="236514695"/>
+        <p14:creationId xmlns:p14="http://schemas.microsoft.com/office/powerpoint/2010/main" val="1015823422"/>
       </p:ext>
     </p:extLst>
   </p:cSld>
@@ -3502,7 +3503,7 @@
           <p:cNvPr id="2" name="Заголовок 1">
             <a:extLst>
               <a:ext uri="{FF2B5EF4-FFF2-40B4-BE49-F238E27FC236}">
-                <a16:creationId xmlns:a16="http://schemas.microsoft.com/office/drawing/2014/main" xmlns="" id="{69C1B6B6-3E9E-48E4-B421-2D59560024B1}"/>
+                <a16:creationId xmlns="" xmlns:a16="http://schemas.microsoft.com/office/drawing/2014/main" id="{E08D5FC8-7091-4AEF-B4C6-8C18F21C3AAC}"/>
               </a:ext>
             </a:extLst>
           </p:cNvPr>
@@ -3520,7 +3521,11 @@
           <a:p>
             <a:r>
               <a:rPr lang="uk-UA" noProof="0" dirty="0" smtClean="0"/>
-              <a:t>НМ в задачах класифікації</a:t>
+              <a:t>Карти </a:t>
+            </a:r>
+            <a:r>
+              <a:rPr lang="uk-UA" noProof="0" dirty="0" err="1" smtClean="0"/>
+              <a:t>Кохонена</a:t>
             </a:r>
             <a:endParaRPr lang="uk-UA" noProof="0" dirty="0"/>
           </a:p>
@@ -3531,7 +3536,7 @@
           <p:cNvPr id="3" name="Объект 2">
             <a:extLst>
               <a:ext uri="{FF2B5EF4-FFF2-40B4-BE49-F238E27FC236}">
-                <a16:creationId xmlns:a16="http://schemas.microsoft.com/office/drawing/2014/main" xmlns="" id="{04D153CF-F2EC-4EBB-95EA-FDFF5331D4CE}"/>
+                <a16:creationId xmlns="" xmlns:a16="http://schemas.microsoft.com/office/drawing/2014/main" id="{74A35D9C-66CC-40D3-8289-FF7FAA36DACF}"/>
               </a:ext>
             </a:extLst>
           </p:cNvPr>
@@ -3542,91 +3547,130 @@
             <p:ph idx="1"/>
           </p:nvPr>
         </p:nvSpPr>
-        <p:spPr/>
+        <p:spPr>
+          <a:xfrm>
+            <a:off x="828675" y="1825625"/>
+            <a:ext cx="10515600" cy="4351338"/>
+          </a:xfrm>
+        </p:spPr>
         <p:txBody>
           <a:bodyPr>
-            <a:normAutofit/>
+            <a:normAutofit fontScale="85000" lnSpcReduction="20000"/>
           </a:bodyPr>
           <a:lstStyle/>
           <a:p>
             <a:r>
-              <a:rPr lang="uk-UA" sz="2400" noProof="0" dirty="0" smtClean="0"/>
-              <a:t>У задачах класифікації важлива узагальнююча здатність мережі, тому використовуються архітектури, що звужуються, тобто такі, в яких кількість нейронів на першому шарі менше, ніж у вхідному.</a:t>
-            </a:r>
-          </a:p>
-          <a:p>
-            <a:r>
-              <a:rPr lang="uk-UA" sz="2400" noProof="0" dirty="0" smtClean="0"/>
-              <a:t>Для оцінки якості НМ в задачах класифікації використовуються такі функції витрат:</a:t>
-            </a:r>
-          </a:p>
-          <a:p>
-            <a:pPr marL="0" indent="0">
-              <a:buNone/>
-            </a:pPr>
-            <a:r>
-              <a:rPr lang="uk-UA" sz="2400" noProof="0" dirty="0" smtClean="0"/>
-              <a:t>a)	</a:t>
-            </a:r>
-            <a:r>
-              <a:rPr lang="uk-UA" sz="2400" noProof="0" dirty="0" err="1" smtClean="0"/>
-              <a:t>binary</a:t>
-            </a:r>
-            <a:r>
-              <a:rPr lang="uk-UA" sz="2400" noProof="0" dirty="0" smtClean="0"/>
+              <a:rPr lang="uk-UA" noProof="0" dirty="0" err="1" smtClean="0"/>
+              <a:t>Самоорганізаційні</a:t>
+            </a:r>
+            <a:r>
+              <a:rPr lang="uk-UA" noProof="0" dirty="0" smtClean="0"/>
+              <a:t> карти (SOM, </a:t>
+            </a:r>
+            <a:r>
+              <a:rPr lang="uk-UA" noProof="0" dirty="0" err="1" smtClean="0"/>
+              <a:t>Self</a:t>
+            </a:r>
+            <a:r>
+              <a:rPr lang="uk-UA" noProof="0" dirty="0" smtClean="0"/>
               <a:t> </a:t>
             </a:r>
             <a:r>
-              <a:rPr lang="uk-UA" sz="2400" noProof="0" dirty="0" err="1" smtClean="0"/>
-              <a:t>accuracy</a:t>
-            </a:r>
-            <a:r>
-              <a:rPr lang="uk-UA" sz="2400" noProof="0" dirty="0" smtClean="0"/>
-              <a:t> – середня точність за всіма прогнозами в задачах бінарної класифікації;</a:t>
-            </a:r>
-          </a:p>
-          <a:p>
-            <a:pPr marL="0" indent="0">
-              <a:buNone/>
-            </a:pPr>
-            <a:r>
-              <a:rPr lang="uk-UA" sz="2400" noProof="0" dirty="0" smtClean="0"/>
-              <a:t>b)	</a:t>
-            </a:r>
-            <a:r>
-              <a:rPr lang="uk-UA" sz="2400" noProof="0" dirty="0" err="1" smtClean="0"/>
-              <a:t>categorical</a:t>
-            </a:r>
-            <a:r>
-              <a:rPr lang="uk-UA" sz="2400" noProof="0" dirty="0" smtClean="0"/>
+              <a:rPr lang="uk-UA" noProof="0" dirty="0" err="1" smtClean="0"/>
+              <a:t>Organizing</a:t>
+            </a:r>
+            <a:r>
+              <a:rPr lang="uk-UA" noProof="0" dirty="0" smtClean="0"/>
               <a:t> </a:t>
             </a:r>
             <a:r>
-              <a:rPr lang="uk-UA" sz="2400" noProof="0" dirty="0" err="1" smtClean="0"/>
-              <a:t>accuracy</a:t>
-            </a:r>
-            <a:r>
-              <a:rPr lang="uk-UA" sz="2400" noProof="0" dirty="0" smtClean="0"/>
-              <a:t> – середня точність за всіма прогнозами в задачах </a:t>
-            </a:r>
-            <a:r>
-              <a:rPr lang="uk-UA" sz="2400" noProof="0" dirty="0" err="1" smtClean="0"/>
-              <a:t>багатокласової</a:t>
-            </a:r>
-            <a:r>
-              <a:rPr lang="uk-UA" sz="2400" noProof="0" dirty="0" smtClean="0"/>
-              <a:t> класифікації.</a:t>
-            </a:r>
-          </a:p>
-          <a:p>
-            <a:endParaRPr lang="uk-UA" sz="2400" noProof="0" dirty="0"/>
+              <a:rPr lang="uk-UA" noProof="0" dirty="0" err="1" smtClean="0"/>
+              <a:t>Maps</a:t>
+            </a:r>
+            <a:r>
+              <a:rPr lang="uk-UA" noProof="0" dirty="0" smtClean="0"/>
+              <a:t> – один з варіантів багатовимірної </a:t>
+            </a:r>
+            <a:r>
+              <a:rPr lang="uk-UA" noProof="0" dirty="0" err="1" smtClean="0"/>
+              <a:t>кластеризації</a:t>
+            </a:r>
+            <a:r>
+              <a:rPr lang="uk-UA" noProof="0" dirty="0" smtClean="0"/>
+              <a:t> зі збереженням топологічної подібності. </a:t>
+            </a:r>
+          </a:p>
+          <a:p>
+            <a:r>
+              <a:rPr lang="uk-UA" noProof="0" dirty="0" smtClean="0"/>
+              <a:t>Мережа </a:t>
+            </a:r>
+            <a:r>
+              <a:rPr lang="uk-UA" noProof="0" dirty="0" err="1" smtClean="0"/>
+              <a:t>Кохонена</a:t>
+            </a:r>
+            <a:r>
+              <a:rPr lang="uk-UA" noProof="0" dirty="0" smtClean="0"/>
+              <a:t> має два шари: вхідний та вихідний, що складається з радіальних нейронів впорядкованої структури (вихідний шар називають також шаром топологічної карти). </a:t>
+            </a:r>
+          </a:p>
+          <a:p>
+            <a:r>
+              <a:rPr lang="uk-UA" noProof="0" dirty="0" smtClean="0"/>
+              <a:t>Нейрони вихідного шару розташовуються у вузлах двовимірної (об’єкт-нейрон) карти. </a:t>
+            </a:r>
+          </a:p>
+          <a:p>
+            <a:r>
+              <a:rPr lang="uk-UA" noProof="0" dirty="0" smtClean="0"/>
+              <a:t>Кожен об’єкт повинен знаходиться в певному </a:t>
+            </a:r>
+            <a:r>
+              <a:rPr lang="uk-UA" noProof="0" dirty="0" err="1" smtClean="0"/>
+              <a:t>вузлі</a:t>
+            </a:r>
+            <a:r>
+              <a:rPr lang="uk-UA" noProof="0" dirty="0" smtClean="0"/>
+              <a:t> (в одному </a:t>
+            </a:r>
+            <a:r>
+              <a:rPr lang="uk-UA" noProof="0" dirty="0" err="1" smtClean="0"/>
+              <a:t>вузлі</a:t>
+            </a:r>
+            <a:r>
+              <a:rPr lang="uk-UA" noProof="0" dirty="0" smtClean="0"/>
+              <a:t> може бути один об’єкт, може кілька, а може взагалі не бути об’єктів). </a:t>
+            </a:r>
+          </a:p>
+          <a:p>
+            <a:r>
+              <a:rPr lang="uk-UA" noProof="0" dirty="0" smtClean="0"/>
+              <a:t>Схожі об’єкти повинні перебувати або в одному </a:t>
+            </a:r>
+            <a:r>
+              <a:rPr lang="uk-UA" noProof="0" dirty="0" err="1" smtClean="0"/>
+              <a:t>вузлі</a:t>
+            </a:r>
+            <a:r>
+              <a:rPr lang="uk-UA" noProof="0" dirty="0" smtClean="0"/>
+              <a:t>, або в сусідніх. </a:t>
+            </a:r>
+          </a:p>
+          <a:p>
+            <a:r>
+              <a:rPr lang="uk-UA" noProof="0" dirty="0" smtClean="0"/>
+              <a:t>Всі об’єкти можна подати в двомірному просторі ознак, де з кожним вузлом карти (нейроном) будуть асоціюватися локальні згущення вихідних об’єктів, що можуть бути потенційними центрами кластерів</a:t>
+            </a:r>
+          </a:p>
+          <a:p>
+            <a:endParaRPr lang="uk-UA" noProof="0" dirty="0"/>
           </a:p>
         </p:txBody>
       </p:sp>
     </p:spTree>
     <p:extLst>
       <p:ext uri="{BB962C8B-B14F-4D97-AF65-F5344CB8AC3E}">
-        <p14:creationId xmlns:p14="http://schemas.microsoft.com/office/powerpoint/2010/main" val="1015823422"/>
+        <p14:creationId xmlns:p14="http://schemas.microsoft.com/office/powerpoint/2010/main" val="2102956961"/>
       </p:ext>
     </p:extLst>
   </p:cSld>
@@ -3658,7 +3702,7 @@
           <p:cNvPr id="2" name="Заголовок 1">
             <a:extLst>
               <a:ext uri="{FF2B5EF4-FFF2-40B4-BE49-F238E27FC236}">
-                <a16:creationId xmlns:a16="http://schemas.microsoft.com/office/drawing/2014/main" xmlns="" id="{E08D5FC8-7091-4AEF-B4C6-8C18F21C3AAC}"/>
+                <a16:creationId xmlns="" xmlns:a16="http://schemas.microsoft.com/office/drawing/2014/main" id="{BD477112-A710-4327-9E80-D9F1C43EAD8D}"/>
               </a:ext>
             </a:extLst>
           </p:cNvPr>
@@ -3676,7 +3720,7 @@
           <a:p>
             <a:r>
               <a:rPr lang="uk-UA" noProof="0" dirty="0" smtClean="0"/>
-              <a:t>Карти </a:t>
+              <a:t>Навчання шару </a:t>
             </a:r>
             <a:r>
               <a:rPr lang="uk-UA" noProof="0" dirty="0" err="1" smtClean="0"/>
@@ -3691,7 +3735,7 @@
           <p:cNvPr id="3" name="Объект 2">
             <a:extLst>
               <a:ext uri="{FF2B5EF4-FFF2-40B4-BE49-F238E27FC236}">
-                <a16:creationId xmlns:a16="http://schemas.microsoft.com/office/drawing/2014/main" xmlns="" id="{74A35D9C-66CC-40D3-8289-FF7FAA36DACF}"/>
+                <a16:creationId xmlns="" xmlns:a16="http://schemas.microsoft.com/office/drawing/2014/main" id="{24FD2354-01EF-4E1A-8081-E362807FE21D}"/>
               </a:ext>
             </a:extLst>
           </p:cNvPr>
@@ -3702,130 +3746,53 @@
             <p:ph idx="1"/>
           </p:nvPr>
         </p:nvSpPr>
-        <p:spPr>
-          <a:xfrm>
-            <a:off x="828675" y="1825625"/>
-            <a:ext cx="10515600" cy="4351338"/>
-          </a:xfrm>
-        </p:spPr>
+        <p:spPr/>
         <p:txBody>
           <a:bodyPr>
-            <a:normAutofit fontScale="85000" lnSpcReduction="20000"/>
+            <a:normAutofit/>
           </a:bodyPr>
           <a:lstStyle/>
           <a:p>
             <a:r>
-              <a:rPr lang="uk-UA" noProof="0" dirty="0" err="1" smtClean="0"/>
-              <a:t>Самоорганізаційні</a:t>
-            </a:r>
-            <a:r>
-              <a:rPr lang="uk-UA" noProof="0" dirty="0" smtClean="0"/>
-              <a:t> карти (SOM, </a:t>
-            </a:r>
-            <a:r>
-              <a:rPr lang="uk-UA" noProof="0" dirty="0" err="1" smtClean="0"/>
-              <a:t>Self</a:t>
-            </a:r>
-            <a:r>
-              <a:rPr lang="uk-UA" noProof="0" dirty="0" smtClean="0"/>
-              <a:t> </a:t>
-            </a:r>
-            <a:r>
-              <a:rPr lang="uk-UA" noProof="0" dirty="0" err="1" smtClean="0"/>
-              <a:t>Organizing</a:t>
-            </a:r>
-            <a:r>
-              <a:rPr lang="uk-UA" noProof="0" dirty="0" smtClean="0"/>
-              <a:t> </a:t>
-            </a:r>
-            <a:r>
-              <a:rPr lang="uk-UA" noProof="0" dirty="0" err="1" smtClean="0"/>
-              <a:t>Maps</a:t>
-            </a:r>
-            <a:r>
-              <a:rPr lang="uk-UA" noProof="0" dirty="0" smtClean="0"/>
-              <a:t> – один з варіантів багатовимірної </a:t>
-            </a:r>
-            <a:r>
-              <a:rPr lang="uk-UA" noProof="0" dirty="0" err="1" smtClean="0"/>
-              <a:t>кластеризації</a:t>
-            </a:r>
-            <a:r>
-              <a:rPr lang="uk-UA" noProof="0" dirty="0" smtClean="0"/>
-              <a:t> зі збереженням топологічної подібності. </a:t>
-            </a:r>
-          </a:p>
-          <a:p>
-            <a:r>
-              <a:rPr lang="uk-UA" noProof="0" dirty="0" smtClean="0"/>
-              <a:t>Мережа </a:t>
-            </a:r>
-            <a:r>
-              <a:rPr lang="uk-UA" noProof="0" dirty="0" err="1" smtClean="0"/>
+              <a:rPr lang="uk-UA" sz="2400" noProof="0" dirty="0" smtClean="0"/>
+              <a:t>Навчання шару </a:t>
+            </a:r>
+            <a:r>
+              <a:rPr lang="uk-UA" sz="2400" noProof="0" dirty="0" err="1" smtClean="0"/>
               <a:t>Кохонена</a:t>
             </a:r>
             <a:r>
-              <a:rPr lang="uk-UA" noProof="0" dirty="0" smtClean="0"/>
-              <a:t> має два шари: вхідний та вихідний, що складається з радіальних нейронів впорядкованої структури (вихідний шар називають також шаром топологічної карти). </a:t>
-            </a:r>
-          </a:p>
-          <a:p>
-            <a:r>
-              <a:rPr lang="uk-UA" noProof="0" dirty="0" smtClean="0"/>
-              <a:t>Нейрони вихідного шару розташовуються у вузлах двовимірної (об’єкт-нейрон) карти. </a:t>
-            </a:r>
-          </a:p>
-          <a:p>
-            <a:r>
-              <a:rPr lang="uk-UA" noProof="0" dirty="0" smtClean="0"/>
-              <a:t>Кожен об’єкт повинен знаходиться в певному </a:t>
-            </a:r>
-            <a:r>
-              <a:rPr lang="uk-UA" noProof="0" dirty="0" err="1" smtClean="0"/>
-              <a:t>вузлі</a:t>
-            </a:r>
-            <a:r>
-              <a:rPr lang="uk-UA" noProof="0" dirty="0" smtClean="0"/>
-              <a:t> (в одному </a:t>
-            </a:r>
-            <a:r>
-              <a:rPr lang="uk-UA" noProof="0" dirty="0" err="1" smtClean="0"/>
-              <a:t>вузлі</a:t>
-            </a:r>
-            <a:r>
-              <a:rPr lang="uk-UA" noProof="0" dirty="0" smtClean="0"/>
-              <a:t> може бути один об’єкт, може кілька, а може взагалі не бути об’єктів). </a:t>
-            </a:r>
-          </a:p>
-          <a:p>
-            <a:r>
-              <a:rPr lang="uk-UA" noProof="0" dirty="0" smtClean="0"/>
-              <a:t>Схожі об’єкти повинні перебувати або в одному </a:t>
-            </a:r>
-            <a:r>
-              <a:rPr lang="uk-UA" noProof="0" dirty="0" err="1" smtClean="0"/>
-              <a:t>вузлі</a:t>
-            </a:r>
-            <a:r>
-              <a:rPr lang="uk-UA" noProof="0" dirty="0" smtClean="0"/>
-              <a:t>, або в сусідніх. </a:t>
-            </a:r>
-          </a:p>
-          <a:p>
-            <a:r>
-              <a:rPr lang="uk-UA" noProof="0" dirty="0" smtClean="0"/>
-              <a:t>Всі об’єкти можна подати в двомірному просторі ознак, де з кожним вузлом карти (нейроном) будуть асоціюватися локальні згущення вихідних об’єктів, що можуть бути потенційними центрами кластерів</a:t>
-            </a:r>
-          </a:p>
-          <a:p>
-            <a:endParaRPr lang="uk-UA" noProof="0" dirty="0"/>
+              <a:rPr lang="uk-UA" sz="2400" noProof="0" dirty="0" smtClean="0"/>
+              <a:t> проводиться без вчителя, навчальна вибірка складається лише з вхідних векторів. </a:t>
+            </a:r>
+          </a:p>
+          <a:p>
+            <a:r>
+              <a:rPr lang="uk-UA" sz="2400" noProof="0" dirty="0" smtClean="0"/>
+              <a:t>Навчальний алгоритм підлаштовує ваги мережі так, щоб отримувати узгоджені вихідні вектори, тобто щоб подання досить близьких вхідних векторів давало однакові виходи. </a:t>
+            </a:r>
+          </a:p>
+          <a:p>
+            <a:r>
+              <a:rPr lang="uk-UA" sz="2400" noProof="0" dirty="0" smtClean="0"/>
+              <a:t>Процес навчання, отже, виділяє статистичні властивості навчальної множини та групує подібні вектори в кластери. </a:t>
+            </a:r>
+          </a:p>
+          <a:p>
+            <a:r>
+              <a:rPr lang="uk-UA" sz="2400" noProof="0" dirty="0" smtClean="0"/>
+              <a:t>Отриманий після навчання набір карт може використовуватися для аналізу закономірностей у сукупності даних.</a:t>
+            </a:r>
+          </a:p>
+          <a:p>
+            <a:endParaRPr lang="uk-UA" sz="2400" noProof="0" dirty="0"/>
           </a:p>
         </p:txBody>
       </p:sp>
     </p:spTree>
     <p:extLst>
       <p:ext uri="{BB962C8B-B14F-4D97-AF65-F5344CB8AC3E}">
-        <p14:creationId xmlns:p14="http://schemas.microsoft.com/office/powerpoint/2010/main" val="2102956961"/>
+        <p14:creationId xmlns:p14="http://schemas.microsoft.com/office/powerpoint/2010/main" val="1120014440"/>
       </p:ext>
     </p:extLst>
   </p:cSld>
@@ -3857,7 +3824,7 @@
           <p:cNvPr id="2" name="Заголовок 1">
             <a:extLst>
               <a:ext uri="{FF2B5EF4-FFF2-40B4-BE49-F238E27FC236}">
-                <a16:creationId xmlns:a16="http://schemas.microsoft.com/office/drawing/2014/main" xmlns="" id="{BD477112-A710-4327-9E80-D9F1C43EAD8D}"/>
+                <a16:creationId xmlns="" xmlns:a16="http://schemas.microsoft.com/office/drawing/2014/main" id="{C21CE51F-AD76-4EF5-B6F2-686E1E48F12F}"/>
               </a:ext>
             </a:extLst>
           </p:cNvPr>
@@ -3874,11 +3841,11 @@
           <a:lstStyle/>
           <a:p>
             <a:r>
-              <a:rPr lang="uk-UA" noProof="0" dirty="0" smtClean="0"/>
+              <a:rPr lang="uk-UA" sz="4400" noProof="0" dirty="0" smtClean="0"/>
               <a:t>Навчання шару </a:t>
             </a:r>
             <a:r>
-              <a:rPr lang="uk-UA" noProof="0" dirty="0" err="1" smtClean="0"/>
+              <a:rPr lang="uk-UA" sz="4400" noProof="0" dirty="0" err="1" smtClean="0"/>
               <a:t>Кохонена</a:t>
             </a:r>
             <a:endParaRPr lang="uk-UA" noProof="0" dirty="0"/>
@@ -3890,129 +3857,7 @@
           <p:cNvPr id="3" name="Объект 2">
             <a:extLst>
               <a:ext uri="{FF2B5EF4-FFF2-40B4-BE49-F238E27FC236}">
-                <a16:creationId xmlns:a16="http://schemas.microsoft.com/office/drawing/2014/main" xmlns="" id="{24FD2354-01EF-4E1A-8081-E362807FE21D}"/>
-              </a:ext>
-            </a:extLst>
-          </p:cNvPr>
-          <p:cNvSpPr>
-            <a:spLocks noGrp="1"/>
-          </p:cNvSpPr>
-          <p:nvPr>
-            <p:ph idx="1"/>
-          </p:nvPr>
-        </p:nvSpPr>
-        <p:spPr/>
-        <p:txBody>
-          <a:bodyPr>
-            <a:normAutofit/>
-          </a:bodyPr>
-          <a:lstStyle/>
-          <a:p>
-            <a:r>
-              <a:rPr lang="uk-UA" sz="2400" noProof="0" dirty="0" smtClean="0"/>
-              <a:t>Навчання шару </a:t>
-            </a:r>
-            <a:r>
-              <a:rPr lang="uk-UA" sz="2400" noProof="0" dirty="0" err="1" smtClean="0"/>
-              <a:t>Кохонена</a:t>
-            </a:r>
-            <a:r>
-              <a:rPr lang="uk-UA" sz="2400" noProof="0" dirty="0" smtClean="0"/>
-              <a:t> проводиться без вчителя, навчальна вибірка складається лише з вхідних векторів. </a:t>
-            </a:r>
-          </a:p>
-          <a:p>
-            <a:r>
-              <a:rPr lang="uk-UA" sz="2400" noProof="0" dirty="0" smtClean="0"/>
-              <a:t>Навчальний алгоритм підлаштовує ваги мережі так, щоб отримувати узгоджені вихідні вектори, тобто щоб подання досить близьких вхідних векторів давало однакові виходи. </a:t>
-            </a:r>
-          </a:p>
-          <a:p>
-            <a:r>
-              <a:rPr lang="uk-UA" sz="2400" noProof="0" dirty="0" smtClean="0"/>
-              <a:t>Процес навчання, отже, виділяє статистичні властивості навчальної множини та групує подібні вектори в кластери. </a:t>
-            </a:r>
-          </a:p>
-          <a:p>
-            <a:r>
-              <a:rPr lang="uk-UA" sz="2400" noProof="0" dirty="0" smtClean="0"/>
-              <a:t>Отриманий після навчання набір карт може використовуватися для аналізу закономірностей у сукупності даних.</a:t>
-            </a:r>
-          </a:p>
-          <a:p>
-            <a:endParaRPr lang="uk-UA" sz="2400" noProof="0" dirty="0"/>
-          </a:p>
-        </p:txBody>
-      </p:sp>
-    </p:spTree>
-    <p:extLst>
-      <p:ext uri="{BB962C8B-B14F-4D97-AF65-F5344CB8AC3E}">
-        <p14:creationId xmlns:p14="http://schemas.microsoft.com/office/powerpoint/2010/main" val="1120014440"/>
-      </p:ext>
-    </p:extLst>
-  </p:cSld>
-  <p:clrMapOvr>
-    <a:masterClrMapping/>
-  </p:clrMapOvr>
-</p:sld>
-</file>
-
-<file path=ppt/slides/slide8.xml><?xml version="1.0" encoding="utf-8"?>
-<p:sld xmlns:a="http://schemas.openxmlformats.org/drawingml/2006/main" xmlns:r="http://schemas.openxmlformats.org/officeDocument/2006/relationships" xmlns:p="http://schemas.openxmlformats.org/presentationml/2006/main">
-  <p:cSld>
-    <p:spTree>
-      <p:nvGrpSpPr>
-        <p:cNvPr id="1" name=""/>
-        <p:cNvGrpSpPr/>
-        <p:nvPr/>
-      </p:nvGrpSpPr>
-      <p:grpSpPr>
-        <a:xfrm>
-          <a:off x="0" y="0"/>
-          <a:ext cx="0" cy="0"/>
-          <a:chOff x="0" y="0"/>
-          <a:chExt cx="0" cy="0"/>
-        </a:xfrm>
-      </p:grpSpPr>
-      <p:sp>
-        <p:nvSpPr>
-          <p:cNvPr id="2" name="Заголовок 1">
-            <a:extLst>
-              <a:ext uri="{FF2B5EF4-FFF2-40B4-BE49-F238E27FC236}">
-                <a16:creationId xmlns:a16="http://schemas.microsoft.com/office/drawing/2014/main" xmlns="" id="{C21CE51F-AD76-4EF5-B6F2-686E1E48F12F}"/>
-              </a:ext>
-            </a:extLst>
-          </p:cNvPr>
-          <p:cNvSpPr>
-            <a:spLocks noGrp="1"/>
-          </p:cNvSpPr>
-          <p:nvPr>
-            <p:ph type="title"/>
-          </p:nvPr>
-        </p:nvSpPr>
-        <p:spPr/>
-        <p:txBody>
-          <a:bodyPr/>
-          <a:lstStyle/>
-          <a:p>
-            <a:r>
-              <a:rPr lang="uk-UA" sz="4400" noProof="0" dirty="0" smtClean="0"/>
-              <a:t>Навчання шару </a:t>
-            </a:r>
-            <a:r>
-              <a:rPr lang="uk-UA" sz="4400" noProof="0" dirty="0" err="1" smtClean="0"/>
-              <a:t>Кохонена</a:t>
-            </a:r>
-            <a:endParaRPr lang="uk-UA" noProof="0" dirty="0"/>
-          </a:p>
-        </p:txBody>
-      </p:sp>
-      <p:sp>
-        <p:nvSpPr>
-          <p:cNvPr id="3" name="Объект 2">
-            <a:extLst>
-              <a:ext uri="{FF2B5EF4-FFF2-40B4-BE49-F238E27FC236}">
-                <a16:creationId xmlns:a16="http://schemas.microsoft.com/office/drawing/2014/main" xmlns="" id="{20AB8879-D014-44E1-B5EF-F94D8D8B0C6C}"/>
+                <a16:creationId xmlns="" xmlns:a16="http://schemas.microsoft.com/office/drawing/2014/main" id="{20AB8879-D014-44E1-B5EF-F94D8D8B0C6C}"/>
               </a:ext>
             </a:extLst>
           </p:cNvPr>
@@ -4151,7 +3996,7 @@
           <p:cNvPr id="4" name="Rectangle 2">
             <a:extLst>
               <a:ext uri="{FF2B5EF4-FFF2-40B4-BE49-F238E27FC236}">
-                <a16:creationId xmlns:a16="http://schemas.microsoft.com/office/drawing/2014/main" xmlns="" id="{5591F76E-52CA-4C8A-AD12-9CE9111A927C}"/>
+                <a16:creationId xmlns="" xmlns:a16="http://schemas.microsoft.com/office/drawing/2014/main" id="{5591F76E-52CA-4C8A-AD12-9CE9111A927C}"/>
               </a:ext>
             </a:extLst>
           </p:cNvPr>
@@ -4220,7 +4065,7 @@
           <p:cNvPr id="5" name="Объект 4">
             <a:extLst>
               <a:ext uri="{FF2B5EF4-FFF2-40B4-BE49-F238E27FC236}">
-                <a16:creationId xmlns:a16="http://schemas.microsoft.com/office/drawing/2014/main" xmlns="" id="{53E3DD58-625A-4985-BC2C-AC78DCA4A838}"/>
+                <a16:creationId xmlns="" xmlns:a16="http://schemas.microsoft.com/office/drawing/2014/main" id="{53E3DD58-625A-4985-BC2C-AC78DCA4A838}"/>
               </a:ext>
             </a:extLst>
           </p:cNvPr>
@@ -4243,7 +4088,7 @@
           <a:graphicData uri="http://schemas.openxmlformats.org/presentationml/2006/ole">
             <mc:AlternateContent xmlns:mc="http://schemas.openxmlformats.org/markup-compatibility/2006">
               <mc:Choice xmlns:v="urn:schemas-microsoft-com:vml" Requires="v">
-                <p:oleObj spid="_x0000_s3079" r:id="rId4" imgW="3085889" imgH="3261273" progId="Visio.Drawing.15">
+                <p:oleObj spid="_x0000_s3078" r:id="rId4" imgW="3085889" imgH="3261273" progId="Visio.Drawing.15">
                   <p:embed/>
                 </p:oleObj>
               </mc:Choice>
